--- a/slides/moe_0601.pptx
+++ b/slides/moe_0601.pptx
@@ -230,7 +230,7 @@
           <a:p>
             <a:fld id="{71DBE83B-754F-B948-8CD7-D8047F5EE2C4}" type="datetimeFigureOut">
               <a:rPr kumimoji="1" lang="zh-TW" altLang="en-US" smtClean="0"/>
-              <a:t>2025/6/1</a:t>
+              <a:t>2025/6/2</a:t>
             </a:fld>
             <a:endParaRPr kumimoji="1" lang="zh-TW" altLang="en-US"/>
           </a:p>
@@ -647,7 +647,7 @@
           <a:p>
             <a:fld id="{4BDF68E2-58F2-4D09-BE8B-E3BD06533059}" type="datetimeFigureOut">
               <a:rPr lang="en-US" dirty="0"/>
-              <a:t>6/1/25</a:t>
+              <a:t>6/2/25</a:t>
             </a:fld>
             <a:endParaRPr lang="en-US"/>
           </a:p>
@@ -842,7 +842,7 @@
           <a:p>
             <a:fld id="{2E2D6473-DF6D-4702-B328-E0DD40540A4E}" type="datetimeFigureOut">
               <a:rPr lang="en-US" dirty="0"/>
-              <a:t>6/1/25</a:t>
+              <a:t>6/2/25</a:t>
             </a:fld>
             <a:endParaRPr lang="en-US"/>
           </a:p>
@@ -1137,7 +1137,7 @@
           <a:p>
             <a:fld id="{E26F7E3A-B166-407D-9866-32884E7D5B37}" type="datetimeFigureOut">
               <a:rPr lang="en-US" dirty="0"/>
-              <a:t>6/1/25</a:t>
+              <a:t>6/2/25</a:t>
             </a:fld>
             <a:endParaRPr lang="en-US"/>
           </a:p>
@@ -1777,7 +1777,7 @@
           <a:p>
             <a:fld id="{20EBB0C4-6273-4C6E-B9BD-2EDC30F1CD52}" type="datetimeFigureOut">
               <a:rPr lang="en-US" dirty="0"/>
-              <a:t>6/1/25</a:t>
+              <a:t>6/2/25</a:t>
             </a:fld>
             <a:endParaRPr lang="en-US"/>
           </a:p>
@@ -2025,7 +2025,7 @@
           <a:p>
             <a:fld id="{19AB4D41-86C1-4908-B66A-0B50CEB3BF29}" type="datetimeFigureOut">
               <a:rPr lang="en-US" dirty="0"/>
-              <a:t>6/1/25</a:t>
+              <a:t>6/2/25</a:t>
             </a:fld>
             <a:endParaRPr lang="en-US"/>
           </a:p>
@@ -2416,7 +2416,7 @@
           <a:p>
             <a:fld id="{E6426E2C-56C1-4E0D-A793-0088A7FDD37E}" type="datetimeFigureOut">
               <a:rPr lang="en-US" dirty="0"/>
-              <a:t>6/1/25</a:t>
+              <a:t>6/2/25</a:t>
             </a:fld>
             <a:endParaRPr lang="en-US"/>
           </a:p>
@@ -2551,7 +2551,7 @@
           <a:p>
             <a:fld id="{C8C39B41-D8B5-4052-B551-9B5525EAA8B6}" type="datetimeFigureOut">
               <a:rPr lang="en-US" dirty="0"/>
-              <a:t>6/1/25</a:t>
+              <a:t>6/2/25</a:t>
             </a:fld>
             <a:endParaRPr lang="en-US"/>
           </a:p>
@@ -2762,7 +2762,7 @@
           <a:p>
             <a:fld id="{4D94136C-8742-45B2-AF27-D93DF72833A9}" type="datetimeFigureOut">
               <a:rPr lang="en-US" dirty="0"/>
-              <a:t>6/1/25</a:t>
+              <a:t>6/2/25</a:t>
             </a:fld>
             <a:endParaRPr lang="en-US"/>
           </a:p>
@@ -3118,7 +3118,7 @@
           <a:p>
             <a:fld id="{32ABBEA6-7C60-4B02-AE87-00D78D8422AF}" type="datetimeFigureOut">
               <a:rPr lang="en-US" dirty="0"/>
-              <a:t>6/1/25</a:t>
+              <a:t>6/2/25</a:t>
             </a:fld>
             <a:endParaRPr lang="en-US"/>
           </a:p>
@@ -3502,7 +3502,7 @@
           <a:p>
             <a:fld id="{C9CAD897-D46E-4AD2-BD9B-49DD3E640873}" type="datetimeFigureOut">
               <a:rPr lang="en-US" dirty="0"/>
-              <a:t>6/1/25</a:t>
+              <a:t>6/2/25</a:t>
             </a:fld>
             <a:endParaRPr lang="en-US"/>
           </a:p>
@@ -13317,6 +13317,989 @@
   <p:clrMapOvr>
     <a:masterClrMapping/>
   </p:clrMapOvr>
+  <p:timing>
+    <p:tnLst>
+      <p:par>
+        <p:cTn id="1" dur="indefinite" restart="never" nodeType="tmRoot">
+          <p:childTnLst>
+            <p:seq concurrent="1" nextAc="seek">
+              <p:cTn id="2" dur="indefinite" nodeType="mainSeq">
+                <p:childTnLst>
+                  <p:par>
+                    <p:cTn id="3" fill="hold">
+                      <p:stCondLst>
+                        <p:cond delay="indefinite"/>
+                      </p:stCondLst>
+                      <p:childTnLst>
+                        <p:par>
+                          <p:cTn id="4" fill="hold">
+                            <p:stCondLst>
+                              <p:cond delay="0"/>
+                            </p:stCondLst>
+                            <p:childTnLst>
+                              <p:par>
+                                <p:cTn id="5" presetID="1" presetClass="entr" presetSubtype="0" fill="hold" nodeType="clickEffect">
+                                  <p:stCondLst>
+                                    <p:cond delay="0"/>
+                                  </p:stCondLst>
+                                  <p:childTnLst>
+                                    <p:set>
+                                      <p:cBhvr>
+                                        <p:cTn id="6" dur="1" fill="hold">
+                                          <p:stCondLst>
+                                            <p:cond delay="0"/>
+                                          </p:stCondLst>
+                                        </p:cTn>
+                                        <p:tgtEl>
+                                          <p:spTgt spid="27"/>
+                                        </p:tgtEl>
+                                        <p:attrNameLst>
+                                          <p:attrName>style.visibility</p:attrName>
+                                        </p:attrNameLst>
+                                      </p:cBhvr>
+                                      <p:to>
+                                        <p:strVal val="visible"/>
+                                      </p:to>
+                                    </p:set>
+                                  </p:childTnLst>
+                                </p:cTn>
+                              </p:par>
+                              <p:par>
+                                <p:cTn id="7" presetID="1" presetClass="entr" presetSubtype="0" fill="hold" grpId="0" nodeType="withEffect">
+                                  <p:stCondLst>
+                                    <p:cond delay="0"/>
+                                  </p:stCondLst>
+                                  <p:childTnLst>
+                                    <p:set>
+                                      <p:cBhvr>
+                                        <p:cTn id="8" dur="1" fill="hold">
+                                          <p:stCondLst>
+                                            <p:cond delay="0"/>
+                                          </p:stCondLst>
+                                        </p:cTn>
+                                        <p:tgtEl>
+                                          <p:spTgt spid="28"/>
+                                        </p:tgtEl>
+                                        <p:attrNameLst>
+                                          <p:attrName>style.visibility</p:attrName>
+                                        </p:attrNameLst>
+                                      </p:cBhvr>
+                                      <p:to>
+                                        <p:strVal val="visible"/>
+                                      </p:to>
+                                    </p:set>
+                                  </p:childTnLst>
+                                </p:cTn>
+                              </p:par>
+                              <p:par>
+                                <p:cTn id="9" presetID="1" presetClass="entr" presetSubtype="0" fill="hold" nodeType="withEffect">
+                                  <p:stCondLst>
+                                    <p:cond delay="0"/>
+                                  </p:stCondLst>
+                                  <p:childTnLst>
+                                    <p:set>
+                                      <p:cBhvr>
+                                        <p:cTn id="10" dur="1" fill="hold">
+                                          <p:stCondLst>
+                                            <p:cond delay="0"/>
+                                          </p:stCondLst>
+                                        </p:cTn>
+                                        <p:tgtEl>
+                                          <p:spTgt spid="31"/>
+                                        </p:tgtEl>
+                                        <p:attrNameLst>
+                                          <p:attrName>style.visibility</p:attrName>
+                                        </p:attrNameLst>
+                                      </p:cBhvr>
+                                      <p:to>
+                                        <p:strVal val="visible"/>
+                                      </p:to>
+                                    </p:set>
+                                  </p:childTnLst>
+                                </p:cTn>
+                              </p:par>
+                              <p:par>
+                                <p:cTn id="11" presetID="1" presetClass="entr" presetSubtype="0" fill="hold" grpId="0" nodeType="withEffect">
+                                  <p:stCondLst>
+                                    <p:cond delay="0"/>
+                                  </p:stCondLst>
+                                  <p:childTnLst>
+                                    <p:set>
+                                      <p:cBhvr>
+                                        <p:cTn id="12" dur="1" fill="hold">
+                                          <p:stCondLst>
+                                            <p:cond delay="0"/>
+                                          </p:stCondLst>
+                                        </p:cTn>
+                                        <p:tgtEl>
+                                          <p:spTgt spid="33"/>
+                                        </p:tgtEl>
+                                        <p:attrNameLst>
+                                          <p:attrName>style.visibility</p:attrName>
+                                        </p:attrNameLst>
+                                      </p:cBhvr>
+                                      <p:to>
+                                        <p:strVal val="visible"/>
+                                      </p:to>
+                                    </p:set>
+                                  </p:childTnLst>
+                                </p:cTn>
+                              </p:par>
+                              <p:par>
+                                <p:cTn id="13" presetID="1" presetClass="entr" presetSubtype="0" fill="hold" grpId="0" nodeType="withEffect">
+                                  <p:stCondLst>
+                                    <p:cond delay="0"/>
+                                  </p:stCondLst>
+                                  <p:childTnLst>
+                                    <p:set>
+                                      <p:cBhvr>
+                                        <p:cTn id="14" dur="1" fill="hold">
+                                          <p:stCondLst>
+                                            <p:cond delay="0"/>
+                                          </p:stCondLst>
+                                        </p:cTn>
+                                        <p:tgtEl>
+                                          <p:spTgt spid="34"/>
+                                        </p:tgtEl>
+                                        <p:attrNameLst>
+                                          <p:attrName>style.visibility</p:attrName>
+                                        </p:attrNameLst>
+                                      </p:cBhvr>
+                                      <p:to>
+                                        <p:strVal val="visible"/>
+                                      </p:to>
+                                    </p:set>
+                                  </p:childTnLst>
+                                </p:cTn>
+                              </p:par>
+                              <p:par>
+                                <p:cTn id="15" presetID="1" presetClass="entr" presetSubtype="0" fill="hold" grpId="0" nodeType="withEffect">
+                                  <p:stCondLst>
+                                    <p:cond delay="0"/>
+                                  </p:stCondLst>
+                                  <p:childTnLst>
+                                    <p:set>
+                                      <p:cBhvr>
+                                        <p:cTn id="16" dur="1" fill="hold">
+                                          <p:stCondLst>
+                                            <p:cond delay="0"/>
+                                          </p:stCondLst>
+                                        </p:cTn>
+                                        <p:tgtEl>
+                                          <p:spTgt spid="36"/>
+                                        </p:tgtEl>
+                                        <p:attrNameLst>
+                                          <p:attrName>style.visibility</p:attrName>
+                                        </p:attrNameLst>
+                                      </p:cBhvr>
+                                      <p:to>
+                                        <p:strVal val="visible"/>
+                                      </p:to>
+                                    </p:set>
+                                  </p:childTnLst>
+                                </p:cTn>
+                              </p:par>
+                              <p:par>
+                                <p:cTn id="17" presetID="1" presetClass="entr" presetSubtype="0" fill="hold" grpId="0" nodeType="withEffect">
+                                  <p:stCondLst>
+                                    <p:cond delay="0"/>
+                                  </p:stCondLst>
+                                  <p:childTnLst>
+                                    <p:set>
+                                      <p:cBhvr>
+                                        <p:cTn id="18" dur="1" fill="hold">
+                                          <p:stCondLst>
+                                            <p:cond delay="0"/>
+                                          </p:stCondLst>
+                                        </p:cTn>
+                                        <p:tgtEl>
+                                          <p:spTgt spid="37"/>
+                                        </p:tgtEl>
+                                        <p:attrNameLst>
+                                          <p:attrName>style.visibility</p:attrName>
+                                        </p:attrNameLst>
+                                      </p:cBhvr>
+                                      <p:to>
+                                        <p:strVal val="visible"/>
+                                      </p:to>
+                                    </p:set>
+                                  </p:childTnLst>
+                                </p:cTn>
+                              </p:par>
+                              <p:par>
+                                <p:cTn id="19" presetID="1" presetClass="entr" presetSubtype="0" fill="hold" nodeType="withEffect">
+                                  <p:stCondLst>
+                                    <p:cond delay="0"/>
+                                  </p:stCondLst>
+                                  <p:childTnLst>
+                                    <p:set>
+                                      <p:cBhvr>
+                                        <p:cTn id="20" dur="1" fill="hold">
+                                          <p:stCondLst>
+                                            <p:cond delay="0"/>
+                                          </p:stCondLst>
+                                        </p:cTn>
+                                        <p:tgtEl>
+                                          <p:spTgt spid="38"/>
+                                        </p:tgtEl>
+                                        <p:attrNameLst>
+                                          <p:attrName>style.visibility</p:attrName>
+                                        </p:attrNameLst>
+                                      </p:cBhvr>
+                                      <p:to>
+                                        <p:strVal val="visible"/>
+                                      </p:to>
+                                    </p:set>
+                                  </p:childTnLst>
+                                </p:cTn>
+                              </p:par>
+                              <p:par>
+                                <p:cTn id="21" presetID="1" presetClass="entr" presetSubtype="0" fill="hold" nodeType="withEffect">
+                                  <p:stCondLst>
+                                    <p:cond delay="0"/>
+                                  </p:stCondLst>
+                                  <p:childTnLst>
+                                    <p:set>
+                                      <p:cBhvr>
+                                        <p:cTn id="22" dur="1" fill="hold">
+                                          <p:stCondLst>
+                                            <p:cond delay="0"/>
+                                          </p:stCondLst>
+                                        </p:cTn>
+                                        <p:tgtEl>
+                                          <p:spTgt spid="43"/>
+                                        </p:tgtEl>
+                                        <p:attrNameLst>
+                                          <p:attrName>style.visibility</p:attrName>
+                                        </p:attrNameLst>
+                                      </p:cBhvr>
+                                      <p:to>
+                                        <p:strVal val="visible"/>
+                                      </p:to>
+                                    </p:set>
+                                  </p:childTnLst>
+                                </p:cTn>
+                              </p:par>
+                              <p:par>
+                                <p:cTn id="23" presetID="1" presetClass="entr" presetSubtype="0" fill="hold" nodeType="withEffect">
+                                  <p:stCondLst>
+                                    <p:cond delay="0"/>
+                                  </p:stCondLst>
+                                  <p:childTnLst>
+                                    <p:set>
+                                      <p:cBhvr>
+                                        <p:cTn id="24" dur="1" fill="hold">
+                                          <p:stCondLst>
+                                            <p:cond delay="0"/>
+                                          </p:stCondLst>
+                                        </p:cTn>
+                                        <p:tgtEl>
+                                          <p:spTgt spid="46"/>
+                                        </p:tgtEl>
+                                        <p:attrNameLst>
+                                          <p:attrName>style.visibility</p:attrName>
+                                        </p:attrNameLst>
+                                      </p:cBhvr>
+                                      <p:to>
+                                        <p:strVal val="visible"/>
+                                      </p:to>
+                                    </p:set>
+                                  </p:childTnLst>
+                                </p:cTn>
+                              </p:par>
+                              <p:par>
+                                <p:cTn id="25" presetID="1" presetClass="entr" presetSubtype="0" fill="hold" grpId="0" nodeType="withEffect">
+                                  <p:stCondLst>
+                                    <p:cond delay="0"/>
+                                  </p:stCondLst>
+                                  <p:childTnLst>
+                                    <p:set>
+                                      <p:cBhvr>
+                                        <p:cTn id="26" dur="1" fill="hold">
+                                          <p:stCondLst>
+                                            <p:cond delay="0"/>
+                                          </p:stCondLst>
+                                        </p:cTn>
+                                        <p:tgtEl>
+                                          <p:spTgt spid="49"/>
+                                        </p:tgtEl>
+                                        <p:attrNameLst>
+                                          <p:attrName>style.visibility</p:attrName>
+                                        </p:attrNameLst>
+                                      </p:cBhvr>
+                                      <p:to>
+                                        <p:strVal val="visible"/>
+                                      </p:to>
+                                    </p:set>
+                                  </p:childTnLst>
+                                </p:cTn>
+                              </p:par>
+                              <p:par>
+                                <p:cTn id="27" presetID="1" presetClass="entr" presetSubtype="0" fill="hold" nodeType="withEffect">
+                                  <p:stCondLst>
+                                    <p:cond delay="0"/>
+                                  </p:stCondLst>
+                                  <p:childTnLst>
+                                    <p:set>
+                                      <p:cBhvr>
+                                        <p:cTn id="28" dur="1" fill="hold">
+                                          <p:stCondLst>
+                                            <p:cond delay="0"/>
+                                          </p:stCondLst>
+                                        </p:cTn>
+                                        <p:tgtEl>
+                                          <p:spTgt spid="50"/>
+                                        </p:tgtEl>
+                                        <p:attrNameLst>
+                                          <p:attrName>style.visibility</p:attrName>
+                                        </p:attrNameLst>
+                                      </p:cBhvr>
+                                      <p:to>
+                                        <p:strVal val="visible"/>
+                                      </p:to>
+                                    </p:set>
+                                  </p:childTnLst>
+                                </p:cTn>
+                              </p:par>
+                              <p:par>
+                                <p:cTn id="29" presetID="1" presetClass="entr" presetSubtype="0" fill="hold" grpId="0" nodeType="withEffect">
+                                  <p:stCondLst>
+                                    <p:cond delay="0"/>
+                                  </p:stCondLst>
+                                  <p:childTnLst>
+                                    <p:set>
+                                      <p:cBhvr>
+                                        <p:cTn id="30" dur="1" fill="hold">
+                                          <p:stCondLst>
+                                            <p:cond delay="0"/>
+                                          </p:stCondLst>
+                                        </p:cTn>
+                                        <p:tgtEl>
+                                          <p:spTgt spid="51"/>
+                                        </p:tgtEl>
+                                        <p:attrNameLst>
+                                          <p:attrName>style.visibility</p:attrName>
+                                        </p:attrNameLst>
+                                      </p:cBhvr>
+                                      <p:to>
+                                        <p:strVal val="visible"/>
+                                      </p:to>
+                                    </p:set>
+                                  </p:childTnLst>
+                                </p:cTn>
+                              </p:par>
+                              <p:par>
+                                <p:cTn id="31" presetID="1" presetClass="entr" presetSubtype="0" fill="hold" nodeType="withEffect">
+                                  <p:stCondLst>
+                                    <p:cond delay="0"/>
+                                  </p:stCondLst>
+                                  <p:childTnLst>
+                                    <p:set>
+                                      <p:cBhvr>
+                                        <p:cTn id="32" dur="1" fill="hold">
+                                          <p:stCondLst>
+                                            <p:cond delay="0"/>
+                                          </p:stCondLst>
+                                        </p:cTn>
+                                        <p:tgtEl>
+                                          <p:spTgt spid="70"/>
+                                        </p:tgtEl>
+                                        <p:attrNameLst>
+                                          <p:attrName>style.visibility</p:attrName>
+                                        </p:attrNameLst>
+                                      </p:cBhvr>
+                                      <p:to>
+                                        <p:strVal val="visible"/>
+                                      </p:to>
+                                    </p:set>
+                                  </p:childTnLst>
+                                </p:cTn>
+                              </p:par>
+                              <p:par>
+                                <p:cTn id="33" presetID="1" presetClass="entr" presetSubtype="0" fill="hold" grpId="0" nodeType="withEffect">
+                                  <p:stCondLst>
+                                    <p:cond delay="0"/>
+                                  </p:stCondLst>
+                                  <p:childTnLst>
+                                    <p:set>
+                                      <p:cBhvr>
+                                        <p:cTn id="34" dur="1" fill="hold">
+                                          <p:stCondLst>
+                                            <p:cond delay="0"/>
+                                          </p:stCondLst>
+                                        </p:cTn>
+                                        <p:tgtEl>
+                                          <p:spTgt spid="81"/>
+                                        </p:tgtEl>
+                                        <p:attrNameLst>
+                                          <p:attrName>style.visibility</p:attrName>
+                                        </p:attrNameLst>
+                                      </p:cBhvr>
+                                      <p:to>
+                                        <p:strVal val="visible"/>
+                                      </p:to>
+                                    </p:set>
+                                  </p:childTnLst>
+                                </p:cTn>
+                              </p:par>
+                              <p:par>
+                                <p:cTn id="35" presetID="1" presetClass="entr" presetSubtype="0" fill="hold" grpId="0" nodeType="withEffect">
+                                  <p:stCondLst>
+                                    <p:cond delay="0"/>
+                                  </p:stCondLst>
+                                  <p:childTnLst>
+                                    <p:set>
+                                      <p:cBhvr>
+                                        <p:cTn id="36" dur="1" fill="hold">
+                                          <p:stCondLst>
+                                            <p:cond delay="0"/>
+                                          </p:stCondLst>
+                                        </p:cTn>
+                                        <p:tgtEl>
+                                          <p:spTgt spid="26"/>
+                                        </p:tgtEl>
+                                        <p:attrNameLst>
+                                          <p:attrName>style.visibility</p:attrName>
+                                        </p:attrNameLst>
+                                      </p:cBhvr>
+                                      <p:to>
+                                        <p:strVal val="visible"/>
+                                      </p:to>
+                                    </p:set>
+                                  </p:childTnLst>
+                                </p:cTn>
+                              </p:par>
+                            </p:childTnLst>
+                          </p:cTn>
+                        </p:par>
+                      </p:childTnLst>
+                    </p:cTn>
+                  </p:par>
+                  <p:par>
+                    <p:cTn id="37" fill="hold">
+                      <p:stCondLst>
+                        <p:cond delay="indefinite"/>
+                      </p:stCondLst>
+                      <p:childTnLst>
+                        <p:par>
+                          <p:cTn id="38" fill="hold">
+                            <p:stCondLst>
+                              <p:cond delay="0"/>
+                            </p:stCondLst>
+                            <p:childTnLst>
+                              <p:par>
+                                <p:cTn id="39" presetID="1" presetClass="entr" presetSubtype="0" fill="hold" grpId="0" nodeType="clickEffect">
+                                  <p:stCondLst>
+                                    <p:cond delay="0"/>
+                                  </p:stCondLst>
+                                  <p:childTnLst>
+                                    <p:set>
+                                      <p:cBhvr>
+                                        <p:cTn id="40" dur="1" fill="hold">
+                                          <p:stCondLst>
+                                            <p:cond delay="0"/>
+                                          </p:stCondLst>
+                                        </p:cTn>
+                                        <p:tgtEl>
+                                          <p:spTgt spid="55"/>
+                                        </p:tgtEl>
+                                        <p:attrNameLst>
+                                          <p:attrName>style.visibility</p:attrName>
+                                        </p:attrNameLst>
+                                      </p:cBhvr>
+                                      <p:to>
+                                        <p:strVal val="visible"/>
+                                      </p:to>
+                                    </p:set>
+                                  </p:childTnLst>
+                                </p:cTn>
+                              </p:par>
+                              <p:par>
+                                <p:cTn id="41" presetID="1" presetClass="entr" presetSubtype="0" fill="hold" nodeType="withEffect">
+                                  <p:stCondLst>
+                                    <p:cond delay="0"/>
+                                  </p:stCondLst>
+                                  <p:childTnLst>
+                                    <p:set>
+                                      <p:cBhvr>
+                                        <p:cTn id="42" dur="1" fill="hold">
+                                          <p:stCondLst>
+                                            <p:cond delay="0"/>
+                                          </p:stCondLst>
+                                        </p:cTn>
+                                        <p:tgtEl>
+                                          <p:spTgt spid="56"/>
+                                        </p:tgtEl>
+                                        <p:attrNameLst>
+                                          <p:attrName>style.visibility</p:attrName>
+                                        </p:attrNameLst>
+                                      </p:cBhvr>
+                                      <p:to>
+                                        <p:strVal val="visible"/>
+                                      </p:to>
+                                    </p:set>
+                                  </p:childTnLst>
+                                </p:cTn>
+                              </p:par>
+                              <p:par>
+                                <p:cTn id="43" presetID="1" presetClass="entr" presetSubtype="0" fill="hold" grpId="0" nodeType="withEffect">
+                                  <p:stCondLst>
+                                    <p:cond delay="0"/>
+                                  </p:stCondLst>
+                                  <p:childTnLst>
+                                    <p:set>
+                                      <p:cBhvr>
+                                        <p:cTn id="44" dur="1" fill="hold">
+                                          <p:stCondLst>
+                                            <p:cond delay="0"/>
+                                          </p:stCondLst>
+                                        </p:cTn>
+                                        <p:tgtEl>
+                                          <p:spTgt spid="57"/>
+                                        </p:tgtEl>
+                                        <p:attrNameLst>
+                                          <p:attrName>style.visibility</p:attrName>
+                                        </p:attrNameLst>
+                                      </p:cBhvr>
+                                      <p:to>
+                                        <p:strVal val="visible"/>
+                                      </p:to>
+                                    </p:set>
+                                  </p:childTnLst>
+                                </p:cTn>
+                              </p:par>
+                              <p:par>
+                                <p:cTn id="45" presetID="1" presetClass="entr" presetSubtype="0" fill="hold" nodeType="withEffect">
+                                  <p:stCondLst>
+                                    <p:cond delay="0"/>
+                                  </p:stCondLst>
+                                  <p:childTnLst>
+                                    <p:set>
+                                      <p:cBhvr>
+                                        <p:cTn id="46" dur="1" fill="hold">
+                                          <p:stCondLst>
+                                            <p:cond delay="0"/>
+                                          </p:stCondLst>
+                                        </p:cTn>
+                                        <p:tgtEl>
+                                          <p:spTgt spid="58"/>
+                                        </p:tgtEl>
+                                        <p:attrNameLst>
+                                          <p:attrName>style.visibility</p:attrName>
+                                        </p:attrNameLst>
+                                      </p:cBhvr>
+                                      <p:to>
+                                        <p:strVal val="visible"/>
+                                      </p:to>
+                                    </p:set>
+                                  </p:childTnLst>
+                                </p:cTn>
+                              </p:par>
+                              <p:par>
+                                <p:cTn id="47" presetID="1" presetClass="entr" presetSubtype="0" fill="hold" grpId="0" nodeType="withEffect">
+                                  <p:stCondLst>
+                                    <p:cond delay="0"/>
+                                  </p:stCondLst>
+                                  <p:childTnLst>
+                                    <p:set>
+                                      <p:cBhvr>
+                                        <p:cTn id="48" dur="1" fill="hold">
+                                          <p:stCondLst>
+                                            <p:cond delay="0"/>
+                                          </p:stCondLst>
+                                        </p:cTn>
+                                        <p:tgtEl>
+                                          <p:spTgt spid="59"/>
+                                        </p:tgtEl>
+                                        <p:attrNameLst>
+                                          <p:attrName>style.visibility</p:attrName>
+                                        </p:attrNameLst>
+                                      </p:cBhvr>
+                                      <p:to>
+                                        <p:strVal val="visible"/>
+                                      </p:to>
+                                    </p:set>
+                                  </p:childTnLst>
+                                </p:cTn>
+                              </p:par>
+                              <p:par>
+                                <p:cTn id="49" presetID="1" presetClass="entr" presetSubtype="0" fill="hold" grpId="0" nodeType="withEffect">
+                                  <p:stCondLst>
+                                    <p:cond delay="0"/>
+                                  </p:stCondLst>
+                                  <p:childTnLst>
+                                    <p:set>
+                                      <p:cBhvr>
+                                        <p:cTn id="50" dur="1" fill="hold">
+                                          <p:stCondLst>
+                                            <p:cond delay="0"/>
+                                          </p:stCondLst>
+                                        </p:cTn>
+                                        <p:tgtEl>
+                                          <p:spTgt spid="60"/>
+                                        </p:tgtEl>
+                                        <p:attrNameLst>
+                                          <p:attrName>style.visibility</p:attrName>
+                                        </p:attrNameLst>
+                                      </p:cBhvr>
+                                      <p:to>
+                                        <p:strVal val="visible"/>
+                                      </p:to>
+                                    </p:set>
+                                  </p:childTnLst>
+                                </p:cTn>
+                              </p:par>
+                              <p:par>
+                                <p:cTn id="51" presetID="1" presetClass="entr" presetSubtype="0" fill="hold" grpId="0" nodeType="withEffect">
+                                  <p:stCondLst>
+                                    <p:cond delay="0"/>
+                                  </p:stCondLst>
+                                  <p:childTnLst>
+                                    <p:set>
+                                      <p:cBhvr>
+                                        <p:cTn id="52" dur="1" fill="hold">
+                                          <p:stCondLst>
+                                            <p:cond delay="0"/>
+                                          </p:stCondLst>
+                                        </p:cTn>
+                                        <p:tgtEl>
+                                          <p:spTgt spid="61"/>
+                                        </p:tgtEl>
+                                        <p:attrNameLst>
+                                          <p:attrName>style.visibility</p:attrName>
+                                        </p:attrNameLst>
+                                      </p:cBhvr>
+                                      <p:to>
+                                        <p:strVal val="visible"/>
+                                      </p:to>
+                                    </p:set>
+                                  </p:childTnLst>
+                                </p:cTn>
+                              </p:par>
+                              <p:par>
+                                <p:cTn id="53" presetID="1" presetClass="entr" presetSubtype="0" fill="hold" grpId="0" nodeType="withEffect">
+                                  <p:stCondLst>
+                                    <p:cond delay="0"/>
+                                  </p:stCondLst>
+                                  <p:childTnLst>
+                                    <p:set>
+                                      <p:cBhvr>
+                                        <p:cTn id="54" dur="1" fill="hold">
+                                          <p:stCondLst>
+                                            <p:cond delay="0"/>
+                                          </p:stCondLst>
+                                        </p:cTn>
+                                        <p:tgtEl>
+                                          <p:spTgt spid="62"/>
+                                        </p:tgtEl>
+                                        <p:attrNameLst>
+                                          <p:attrName>style.visibility</p:attrName>
+                                        </p:attrNameLst>
+                                      </p:cBhvr>
+                                      <p:to>
+                                        <p:strVal val="visible"/>
+                                      </p:to>
+                                    </p:set>
+                                  </p:childTnLst>
+                                </p:cTn>
+                              </p:par>
+                              <p:par>
+                                <p:cTn id="55" presetID="1" presetClass="entr" presetSubtype="0" fill="hold" nodeType="withEffect">
+                                  <p:stCondLst>
+                                    <p:cond delay="0"/>
+                                  </p:stCondLst>
+                                  <p:childTnLst>
+                                    <p:set>
+                                      <p:cBhvr>
+                                        <p:cTn id="56" dur="1" fill="hold">
+                                          <p:stCondLst>
+                                            <p:cond delay="0"/>
+                                          </p:stCondLst>
+                                        </p:cTn>
+                                        <p:tgtEl>
+                                          <p:spTgt spid="63"/>
+                                        </p:tgtEl>
+                                        <p:attrNameLst>
+                                          <p:attrName>style.visibility</p:attrName>
+                                        </p:attrNameLst>
+                                      </p:cBhvr>
+                                      <p:to>
+                                        <p:strVal val="visible"/>
+                                      </p:to>
+                                    </p:set>
+                                  </p:childTnLst>
+                                </p:cTn>
+                              </p:par>
+                              <p:par>
+                                <p:cTn id="57" presetID="1" presetClass="entr" presetSubtype="0" fill="hold" nodeType="withEffect">
+                                  <p:stCondLst>
+                                    <p:cond delay="0"/>
+                                  </p:stCondLst>
+                                  <p:childTnLst>
+                                    <p:set>
+                                      <p:cBhvr>
+                                        <p:cTn id="58" dur="1" fill="hold">
+                                          <p:stCondLst>
+                                            <p:cond delay="0"/>
+                                          </p:stCondLst>
+                                        </p:cTn>
+                                        <p:tgtEl>
+                                          <p:spTgt spid="64"/>
+                                        </p:tgtEl>
+                                        <p:attrNameLst>
+                                          <p:attrName>style.visibility</p:attrName>
+                                        </p:attrNameLst>
+                                      </p:cBhvr>
+                                      <p:to>
+                                        <p:strVal val="visible"/>
+                                      </p:to>
+                                    </p:set>
+                                  </p:childTnLst>
+                                </p:cTn>
+                              </p:par>
+                              <p:par>
+                                <p:cTn id="59" presetID="1" presetClass="entr" presetSubtype="0" fill="hold" nodeType="withEffect">
+                                  <p:stCondLst>
+                                    <p:cond delay="0"/>
+                                  </p:stCondLst>
+                                  <p:childTnLst>
+                                    <p:set>
+                                      <p:cBhvr>
+                                        <p:cTn id="60" dur="1" fill="hold">
+                                          <p:stCondLst>
+                                            <p:cond delay="0"/>
+                                          </p:stCondLst>
+                                        </p:cTn>
+                                        <p:tgtEl>
+                                          <p:spTgt spid="65"/>
+                                        </p:tgtEl>
+                                        <p:attrNameLst>
+                                          <p:attrName>style.visibility</p:attrName>
+                                        </p:attrNameLst>
+                                      </p:cBhvr>
+                                      <p:to>
+                                        <p:strVal val="visible"/>
+                                      </p:to>
+                                    </p:set>
+                                  </p:childTnLst>
+                                </p:cTn>
+                              </p:par>
+                              <p:par>
+                                <p:cTn id="61" presetID="1" presetClass="entr" presetSubtype="0" fill="hold" grpId="0" nodeType="withEffect">
+                                  <p:stCondLst>
+                                    <p:cond delay="0"/>
+                                  </p:stCondLst>
+                                  <p:childTnLst>
+                                    <p:set>
+                                      <p:cBhvr>
+                                        <p:cTn id="62" dur="1" fill="hold">
+                                          <p:stCondLst>
+                                            <p:cond delay="0"/>
+                                          </p:stCondLst>
+                                        </p:cTn>
+                                        <p:tgtEl>
+                                          <p:spTgt spid="66"/>
+                                        </p:tgtEl>
+                                        <p:attrNameLst>
+                                          <p:attrName>style.visibility</p:attrName>
+                                        </p:attrNameLst>
+                                      </p:cBhvr>
+                                      <p:to>
+                                        <p:strVal val="visible"/>
+                                      </p:to>
+                                    </p:set>
+                                  </p:childTnLst>
+                                </p:cTn>
+                              </p:par>
+                              <p:par>
+                                <p:cTn id="63" presetID="1" presetClass="entr" presetSubtype="0" fill="hold" nodeType="withEffect">
+                                  <p:stCondLst>
+                                    <p:cond delay="0"/>
+                                  </p:stCondLst>
+                                  <p:childTnLst>
+                                    <p:set>
+                                      <p:cBhvr>
+                                        <p:cTn id="64" dur="1" fill="hold">
+                                          <p:stCondLst>
+                                            <p:cond delay="0"/>
+                                          </p:stCondLst>
+                                        </p:cTn>
+                                        <p:tgtEl>
+                                          <p:spTgt spid="67"/>
+                                        </p:tgtEl>
+                                        <p:attrNameLst>
+                                          <p:attrName>style.visibility</p:attrName>
+                                        </p:attrNameLst>
+                                      </p:cBhvr>
+                                      <p:to>
+                                        <p:strVal val="visible"/>
+                                      </p:to>
+                                    </p:set>
+                                  </p:childTnLst>
+                                </p:cTn>
+                              </p:par>
+                              <p:par>
+                                <p:cTn id="65" presetID="1" presetClass="entr" presetSubtype="0" fill="hold" grpId="0" nodeType="withEffect">
+                                  <p:stCondLst>
+                                    <p:cond delay="0"/>
+                                  </p:stCondLst>
+                                  <p:childTnLst>
+                                    <p:set>
+                                      <p:cBhvr>
+                                        <p:cTn id="66" dur="1" fill="hold">
+                                          <p:stCondLst>
+                                            <p:cond delay="0"/>
+                                          </p:stCondLst>
+                                        </p:cTn>
+                                        <p:tgtEl>
+                                          <p:spTgt spid="68"/>
+                                        </p:tgtEl>
+                                        <p:attrNameLst>
+                                          <p:attrName>style.visibility</p:attrName>
+                                        </p:attrNameLst>
+                                      </p:cBhvr>
+                                      <p:to>
+                                        <p:strVal val="visible"/>
+                                      </p:to>
+                                    </p:set>
+                                  </p:childTnLst>
+                                </p:cTn>
+                              </p:par>
+                              <p:par>
+                                <p:cTn id="67" presetID="1" presetClass="entr" presetSubtype="0" fill="hold" nodeType="withEffect">
+                                  <p:stCondLst>
+                                    <p:cond delay="0"/>
+                                  </p:stCondLst>
+                                  <p:childTnLst>
+                                    <p:set>
+                                      <p:cBhvr>
+                                        <p:cTn id="68" dur="1" fill="hold">
+                                          <p:stCondLst>
+                                            <p:cond delay="0"/>
+                                          </p:stCondLst>
+                                        </p:cTn>
+                                        <p:tgtEl>
+                                          <p:spTgt spid="74"/>
+                                        </p:tgtEl>
+                                        <p:attrNameLst>
+                                          <p:attrName>style.visibility</p:attrName>
+                                        </p:attrNameLst>
+                                      </p:cBhvr>
+                                      <p:to>
+                                        <p:strVal val="visible"/>
+                                      </p:to>
+                                    </p:set>
+                                  </p:childTnLst>
+                                </p:cTn>
+                              </p:par>
+                              <p:par>
+                                <p:cTn id="69" presetID="1" presetClass="entr" presetSubtype="0" fill="hold" grpId="0" nodeType="withEffect" nodePh="1">
+                                  <p:stCondLst>
+                                    <p:cond delay="0"/>
+                                  </p:stCondLst>
+                                  <p:endCondLst>
+                                    <p:cond evt="begin" delay="0">
+                                      <p:tn val="69"/>
+                                    </p:cond>
+                                  </p:endCondLst>
+                                  <p:childTnLst>
+                                    <p:set>
+                                      <p:cBhvr>
+                                        <p:cTn id="70" dur="1" fill="hold">
+                                          <p:stCondLst>
+                                            <p:cond delay="0"/>
+                                          </p:stCondLst>
+                                        </p:cTn>
+                                        <p:tgtEl>
+                                          <p:spTgt spid="75"/>
+                                        </p:tgtEl>
+                                        <p:attrNameLst>
+                                          <p:attrName>style.visibility</p:attrName>
+                                        </p:attrNameLst>
+                                      </p:cBhvr>
+                                      <p:to>
+                                        <p:strVal val="visible"/>
+                                      </p:to>
+                                    </p:set>
+                                  </p:childTnLst>
+                                </p:cTn>
+                              </p:par>
+                              <p:par>
+                                <p:cTn id="71" presetID="1" presetClass="entr" presetSubtype="0" fill="hold" grpId="0" nodeType="withEffect">
+                                  <p:stCondLst>
+                                    <p:cond delay="0"/>
+                                  </p:stCondLst>
+                                  <p:childTnLst>
+                                    <p:set>
+                                      <p:cBhvr>
+                                        <p:cTn id="72" dur="1" fill="hold">
+                                          <p:stCondLst>
+                                            <p:cond delay="0"/>
+                                          </p:stCondLst>
+                                        </p:cTn>
+                                        <p:tgtEl>
+                                          <p:spTgt spid="80"/>
+                                        </p:tgtEl>
+                                        <p:attrNameLst>
+                                          <p:attrName>style.visibility</p:attrName>
+                                        </p:attrNameLst>
+                                      </p:cBhvr>
+                                      <p:to>
+                                        <p:strVal val="visible"/>
+                                      </p:to>
+                                    </p:set>
+                                  </p:childTnLst>
+                                </p:cTn>
+                              </p:par>
+                            </p:childTnLst>
+                          </p:cTn>
+                        </p:par>
+                      </p:childTnLst>
+                    </p:cTn>
+                  </p:par>
+                </p:childTnLst>
+              </p:cTn>
+              <p:prevCondLst>
+                <p:cond evt="onPrev" delay="0">
+                  <p:tgtEl>
+                    <p:sldTgt/>
+                  </p:tgtEl>
+                </p:cond>
+              </p:prevCondLst>
+              <p:nextCondLst>
+                <p:cond evt="onNext" delay="0">
+                  <p:tgtEl>
+                    <p:sldTgt/>
+                  </p:tgtEl>
+                </p:cond>
+              </p:nextCondLst>
+            </p:seq>
+          </p:childTnLst>
+        </p:cTn>
+      </p:par>
+    </p:tnLst>
+    <p:bldLst>
+      <p:bldP spid="26" grpId="0"/>
+      <p:bldP spid="28" grpId="0"/>
+      <p:bldP spid="33" grpId="0" animBg="1"/>
+      <p:bldP spid="34" grpId="0" animBg="1"/>
+      <p:bldP spid="36" grpId="0" animBg="1"/>
+      <p:bldP spid="37" grpId="0" animBg="1"/>
+      <p:bldP spid="49" grpId="0"/>
+      <p:bldP spid="51" grpId="0" animBg="1"/>
+      <p:bldP spid="55" grpId="0"/>
+      <p:bldP spid="57" grpId="0"/>
+      <p:bldP spid="59" grpId="0" animBg="1"/>
+      <p:bldP spid="60" grpId="0" animBg="1"/>
+      <p:bldP spid="61" grpId="0" animBg="1"/>
+      <p:bldP spid="62" grpId="0" animBg="1"/>
+      <p:bldP spid="66" grpId="0"/>
+      <p:bldP spid="68" grpId="0" animBg="1"/>
+      <p:bldP spid="75" grpId="0"/>
+      <p:bldP spid="80" grpId="0"/>
+      <p:bldP spid="81" grpId="0"/>
+    </p:bldLst>
+  </p:timing>
 </p:sld>
 </file>
 
@@ -27455,6 +28438,52 @@
       </p:grpSpPr>
       <p:sp>
         <p:nvSpPr>
+          <p:cNvPr id="61" name="文字方塊 60">
+            <a:extLst>
+              <a:ext uri="{FF2B5EF4-FFF2-40B4-BE49-F238E27FC236}">
+                <a16:creationId xmlns:a16="http://schemas.microsoft.com/office/drawing/2014/main" id="{67F8DF19-E077-8E12-D436-A122EA194EF5}"/>
+              </a:ext>
+            </a:extLst>
+          </p:cNvPr>
+          <p:cNvSpPr txBox="1">
+            <a:spLocks/>
+          </p:cNvSpPr>
+          <p:nvPr/>
+        </p:nvSpPr>
+        <p:spPr>
+          <a:xfrm>
+            <a:off x="227694" y="4225696"/>
+            <a:ext cx="4267199" cy="369332"/>
+          </a:xfrm>
+          <a:prstGeom prst="rect">
+            <a:avLst/>
+          </a:prstGeom>
+          <a:noFill/>
+        </p:spPr>
+        <p:txBody>
+          <a:bodyPr wrap="square" rtlCol="0">
+            <a:spAutoFit/>
+          </a:bodyPr>
+          <a:lstStyle/>
+          <a:p>
+            <a:pPr algn="ctr"/>
+            <a:r>
+              <a:rPr kumimoji="1" lang="en-US" altLang="zh-TW" dirty="0">
+                <a:ea typeface="Microsoft JhengHei" panose="020B0604030504040204" pitchFamily="34" charset="-120"/>
+              </a:rPr>
+              <a:t>Pre-training + Fine-tuning </a:t>
+            </a:r>
+            <a:r>
+              <a:rPr kumimoji="1" lang="zh-TW" altLang="en-US" dirty="0">
+                <a:ea typeface="Microsoft JhengHei" panose="020B0604030504040204" pitchFamily="34" charset="-120"/>
+              </a:rPr>
+              <a:t>主體模型一致</a:t>
+            </a:r>
+          </a:p>
+        </p:txBody>
+      </p:sp>
+      <p:sp>
+        <p:nvSpPr>
           <p:cNvPr id="2" name="標題 1">
             <a:extLst>
               <a:ext uri="{FF2B5EF4-FFF2-40B4-BE49-F238E27FC236}">
@@ -28941,50 +29970,6 @@
           </a:fontRef>
         </p:style>
       </p:cxnSp>
-      <p:sp>
-        <p:nvSpPr>
-          <p:cNvPr id="61" name="文字方塊 60">
-            <a:extLst>
-              <a:ext uri="{FF2B5EF4-FFF2-40B4-BE49-F238E27FC236}">
-                <a16:creationId xmlns:a16="http://schemas.microsoft.com/office/drawing/2014/main" id="{67F8DF19-E077-8E12-D436-A122EA194EF5}"/>
-              </a:ext>
-            </a:extLst>
-          </p:cNvPr>
-          <p:cNvSpPr txBox="1"/>
-          <p:nvPr/>
-        </p:nvSpPr>
-        <p:spPr>
-          <a:xfrm>
-            <a:off x="227694" y="4225696"/>
-            <a:ext cx="4267199" cy="369332"/>
-          </a:xfrm>
-          <a:prstGeom prst="rect">
-            <a:avLst/>
-          </a:prstGeom>
-          <a:noFill/>
-        </p:spPr>
-        <p:txBody>
-          <a:bodyPr wrap="square" rtlCol="0">
-            <a:spAutoFit/>
-          </a:bodyPr>
-          <a:lstStyle/>
-          <a:p>
-            <a:pPr algn="ctr"/>
-            <a:r>
-              <a:rPr kumimoji="1" lang="en-US" altLang="zh-TW" dirty="0">
-                <a:ea typeface="Microsoft JhengHei" panose="020B0604030504040204" pitchFamily="34" charset="-120"/>
-              </a:rPr>
-              <a:t>Pre-training + Fine-tuning </a:t>
-            </a:r>
-            <a:r>
-              <a:rPr kumimoji="1" lang="zh-TW" altLang="en-US" dirty="0">
-                <a:ea typeface="Microsoft JhengHei" panose="020B0604030504040204" pitchFamily="34" charset="-120"/>
-              </a:rPr>
-              <a:t>主體模型一致</a:t>
-            </a:r>
-          </a:p>
-        </p:txBody>
-      </p:sp>
     </p:spTree>
     <p:extLst>
       <p:ext uri="{BB962C8B-B14F-4D97-AF65-F5344CB8AC3E}">
@@ -28995,6 +29980,802 @@
   <p:clrMapOvr>
     <a:masterClrMapping/>
   </p:clrMapOvr>
+  <p:timing>
+    <p:tnLst>
+      <p:par>
+        <p:cTn id="1" dur="indefinite" restart="never" nodeType="tmRoot">
+          <p:childTnLst>
+            <p:seq concurrent="1" nextAc="seek">
+              <p:cTn id="2" dur="indefinite" nodeType="mainSeq">
+                <p:childTnLst>
+                  <p:par>
+                    <p:cTn id="3" fill="hold">
+                      <p:stCondLst>
+                        <p:cond delay="indefinite"/>
+                      </p:stCondLst>
+                      <p:childTnLst>
+                        <p:par>
+                          <p:cTn id="4" fill="hold">
+                            <p:stCondLst>
+                              <p:cond delay="0"/>
+                            </p:stCondLst>
+                            <p:childTnLst>
+                              <p:par>
+                                <p:cTn id="5" presetID="1" presetClass="entr" presetSubtype="0" fill="hold" grpId="0" nodeType="clickEffect">
+                                  <p:stCondLst>
+                                    <p:cond delay="0"/>
+                                  </p:stCondLst>
+                                  <p:childTnLst>
+                                    <p:set>
+                                      <p:cBhvr>
+                                        <p:cTn id="6" dur="1" fill="hold">
+                                          <p:stCondLst>
+                                            <p:cond delay="0"/>
+                                          </p:stCondLst>
+                                        </p:cTn>
+                                        <p:tgtEl>
+                                          <p:spTgt spid="3"/>
+                                        </p:tgtEl>
+                                        <p:attrNameLst>
+                                          <p:attrName>style.visibility</p:attrName>
+                                        </p:attrNameLst>
+                                      </p:cBhvr>
+                                      <p:to>
+                                        <p:strVal val="visible"/>
+                                      </p:to>
+                                    </p:set>
+                                  </p:childTnLst>
+                                </p:cTn>
+                              </p:par>
+                              <p:par>
+                                <p:cTn id="7" presetID="1" presetClass="entr" presetSubtype="0" fill="hold" grpId="0" nodeType="withEffect">
+                                  <p:stCondLst>
+                                    <p:cond delay="0"/>
+                                  </p:stCondLst>
+                                  <p:childTnLst>
+                                    <p:set>
+                                      <p:cBhvr>
+                                        <p:cTn id="8" dur="1" fill="hold">
+                                          <p:stCondLst>
+                                            <p:cond delay="0"/>
+                                          </p:stCondLst>
+                                        </p:cTn>
+                                        <p:tgtEl>
+                                          <p:spTgt spid="12"/>
+                                        </p:tgtEl>
+                                        <p:attrNameLst>
+                                          <p:attrName>style.visibility</p:attrName>
+                                        </p:attrNameLst>
+                                      </p:cBhvr>
+                                      <p:to>
+                                        <p:strVal val="visible"/>
+                                      </p:to>
+                                    </p:set>
+                                  </p:childTnLst>
+                                </p:cTn>
+                              </p:par>
+                            </p:childTnLst>
+                          </p:cTn>
+                        </p:par>
+                      </p:childTnLst>
+                    </p:cTn>
+                  </p:par>
+                  <p:par>
+                    <p:cTn id="9" fill="hold">
+                      <p:stCondLst>
+                        <p:cond delay="indefinite"/>
+                      </p:stCondLst>
+                      <p:childTnLst>
+                        <p:par>
+                          <p:cTn id="10" fill="hold">
+                            <p:stCondLst>
+                              <p:cond delay="0"/>
+                            </p:stCondLst>
+                            <p:childTnLst>
+                              <p:par>
+                                <p:cTn id="11" presetID="1" presetClass="entr" presetSubtype="0" fill="hold" grpId="0" nodeType="clickEffect">
+                                  <p:stCondLst>
+                                    <p:cond delay="0"/>
+                                  </p:stCondLst>
+                                  <p:childTnLst>
+                                    <p:set>
+                                      <p:cBhvr>
+                                        <p:cTn id="12" dur="1" fill="hold">
+                                          <p:stCondLst>
+                                            <p:cond delay="0"/>
+                                          </p:stCondLst>
+                                        </p:cTn>
+                                        <p:tgtEl>
+                                          <p:spTgt spid="21"/>
+                                        </p:tgtEl>
+                                        <p:attrNameLst>
+                                          <p:attrName>style.visibility</p:attrName>
+                                        </p:attrNameLst>
+                                      </p:cBhvr>
+                                      <p:to>
+                                        <p:strVal val="visible"/>
+                                      </p:to>
+                                    </p:set>
+                                  </p:childTnLst>
+                                </p:cTn>
+                              </p:par>
+                              <p:par>
+                                <p:cTn id="13" presetID="1" presetClass="entr" presetSubtype="0" fill="hold" nodeType="withEffect">
+                                  <p:stCondLst>
+                                    <p:cond delay="0"/>
+                                  </p:stCondLst>
+                                  <p:childTnLst>
+                                    <p:set>
+                                      <p:cBhvr>
+                                        <p:cTn id="14" dur="1" fill="hold">
+                                          <p:stCondLst>
+                                            <p:cond delay="0"/>
+                                          </p:stCondLst>
+                                        </p:cTn>
+                                        <p:tgtEl>
+                                          <p:spTgt spid="18"/>
+                                        </p:tgtEl>
+                                        <p:attrNameLst>
+                                          <p:attrName>style.visibility</p:attrName>
+                                        </p:attrNameLst>
+                                      </p:cBhvr>
+                                      <p:to>
+                                        <p:strVal val="visible"/>
+                                      </p:to>
+                                    </p:set>
+                                  </p:childTnLst>
+                                </p:cTn>
+                              </p:par>
+                              <p:par>
+                                <p:cTn id="15" presetID="1" presetClass="entr" presetSubtype="0" fill="hold" grpId="0" nodeType="withEffect">
+                                  <p:stCondLst>
+                                    <p:cond delay="0"/>
+                                  </p:stCondLst>
+                                  <p:childTnLst>
+                                    <p:set>
+                                      <p:cBhvr>
+                                        <p:cTn id="16" dur="1" fill="hold">
+                                          <p:stCondLst>
+                                            <p:cond delay="0"/>
+                                          </p:stCondLst>
+                                        </p:cTn>
+                                        <p:tgtEl>
+                                          <p:spTgt spid="10"/>
+                                        </p:tgtEl>
+                                        <p:attrNameLst>
+                                          <p:attrName>style.visibility</p:attrName>
+                                        </p:attrNameLst>
+                                      </p:cBhvr>
+                                      <p:to>
+                                        <p:strVal val="visible"/>
+                                      </p:to>
+                                    </p:set>
+                                  </p:childTnLst>
+                                </p:cTn>
+                              </p:par>
+                            </p:childTnLst>
+                          </p:cTn>
+                        </p:par>
+                      </p:childTnLst>
+                    </p:cTn>
+                  </p:par>
+                  <p:par>
+                    <p:cTn id="17" fill="hold">
+                      <p:stCondLst>
+                        <p:cond delay="indefinite"/>
+                      </p:stCondLst>
+                      <p:childTnLst>
+                        <p:par>
+                          <p:cTn id="18" fill="hold">
+                            <p:stCondLst>
+                              <p:cond delay="0"/>
+                            </p:stCondLst>
+                            <p:childTnLst>
+                              <p:par>
+                                <p:cTn id="19" presetID="1" presetClass="entr" presetSubtype="0" fill="hold" grpId="0" nodeType="clickEffect">
+                                  <p:stCondLst>
+                                    <p:cond delay="0"/>
+                                  </p:stCondLst>
+                                  <p:childTnLst>
+                                    <p:set>
+                                      <p:cBhvr>
+                                        <p:cTn id="20" dur="1" fill="hold">
+                                          <p:stCondLst>
+                                            <p:cond delay="0"/>
+                                          </p:stCondLst>
+                                        </p:cTn>
+                                        <p:tgtEl>
+                                          <p:spTgt spid="14"/>
+                                        </p:tgtEl>
+                                        <p:attrNameLst>
+                                          <p:attrName>style.visibility</p:attrName>
+                                        </p:attrNameLst>
+                                      </p:cBhvr>
+                                      <p:to>
+                                        <p:strVal val="visible"/>
+                                      </p:to>
+                                    </p:set>
+                                  </p:childTnLst>
+                                </p:cTn>
+                              </p:par>
+                            </p:childTnLst>
+                          </p:cTn>
+                        </p:par>
+                      </p:childTnLst>
+                    </p:cTn>
+                  </p:par>
+                  <p:par>
+                    <p:cTn id="21" fill="hold">
+                      <p:stCondLst>
+                        <p:cond delay="indefinite"/>
+                      </p:stCondLst>
+                      <p:childTnLst>
+                        <p:par>
+                          <p:cTn id="22" fill="hold">
+                            <p:stCondLst>
+                              <p:cond delay="0"/>
+                            </p:stCondLst>
+                            <p:childTnLst>
+                              <p:par>
+                                <p:cTn id="23" presetID="1" presetClass="entr" presetSubtype="0" fill="hold" grpId="0" nodeType="clickEffect">
+                                  <p:stCondLst>
+                                    <p:cond delay="0"/>
+                                  </p:stCondLst>
+                                  <p:childTnLst>
+                                    <p:set>
+                                      <p:cBhvr>
+                                        <p:cTn id="24" dur="1" fill="hold">
+                                          <p:stCondLst>
+                                            <p:cond delay="0"/>
+                                          </p:stCondLst>
+                                        </p:cTn>
+                                        <p:tgtEl>
+                                          <p:spTgt spid="22"/>
+                                        </p:tgtEl>
+                                        <p:attrNameLst>
+                                          <p:attrName>style.visibility</p:attrName>
+                                        </p:attrNameLst>
+                                      </p:cBhvr>
+                                      <p:to>
+                                        <p:strVal val="visible"/>
+                                      </p:to>
+                                    </p:set>
+                                  </p:childTnLst>
+                                </p:cTn>
+                              </p:par>
+                            </p:childTnLst>
+                          </p:cTn>
+                        </p:par>
+                      </p:childTnLst>
+                    </p:cTn>
+                  </p:par>
+                  <p:par>
+                    <p:cTn id="25" fill="hold">
+                      <p:stCondLst>
+                        <p:cond delay="indefinite"/>
+                      </p:stCondLst>
+                      <p:childTnLst>
+                        <p:par>
+                          <p:cTn id="26" fill="hold">
+                            <p:stCondLst>
+                              <p:cond delay="0"/>
+                            </p:stCondLst>
+                            <p:childTnLst>
+                              <p:par>
+                                <p:cTn id="27" presetID="1" presetClass="entr" presetSubtype="0" fill="hold" grpId="0" nodeType="clickEffect">
+                                  <p:stCondLst>
+                                    <p:cond delay="0"/>
+                                  </p:stCondLst>
+                                  <p:childTnLst>
+                                    <p:set>
+                                      <p:cBhvr>
+                                        <p:cTn id="28" dur="1" fill="hold">
+                                          <p:stCondLst>
+                                            <p:cond delay="0"/>
+                                          </p:stCondLst>
+                                        </p:cTn>
+                                        <p:tgtEl>
+                                          <p:spTgt spid="34"/>
+                                        </p:tgtEl>
+                                        <p:attrNameLst>
+                                          <p:attrName>style.visibility</p:attrName>
+                                        </p:attrNameLst>
+                                      </p:cBhvr>
+                                      <p:to>
+                                        <p:strVal val="visible"/>
+                                      </p:to>
+                                    </p:set>
+                                  </p:childTnLst>
+                                </p:cTn>
+                              </p:par>
+                              <p:par>
+                                <p:cTn id="29" presetID="1" presetClass="entr" presetSubtype="0" fill="hold" grpId="0" nodeType="withEffect">
+                                  <p:stCondLst>
+                                    <p:cond delay="0"/>
+                                  </p:stCondLst>
+                                  <p:childTnLst>
+                                    <p:set>
+                                      <p:cBhvr>
+                                        <p:cTn id="30" dur="1" fill="hold">
+                                          <p:stCondLst>
+                                            <p:cond delay="0"/>
+                                          </p:stCondLst>
+                                        </p:cTn>
+                                        <p:tgtEl>
+                                          <p:spTgt spid="32"/>
+                                        </p:tgtEl>
+                                        <p:attrNameLst>
+                                          <p:attrName>style.visibility</p:attrName>
+                                        </p:attrNameLst>
+                                      </p:cBhvr>
+                                      <p:to>
+                                        <p:strVal val="visible"/>
+                                      </p:to>
+                                    </p:set>
+                                  </p:childTnLst>
+                                </p:cTn>
+                              </p:par>
+                              <p:par>
+                                <p:cTn id="31" presetID="1" presetClass="entr" presetSubtype="0" fill="hold" grpId="0" nodeType="withEffect">
+                                  <p:stCondLst>
+                                    <p:cond delay="0"/>
+                                  </p:stCondLst>
+                                  <p:childTnLst>
+                                    <p:set>
+                                      <p:cBhvr>
+                                        <p:cTn id="32" dur="1" fill="hold">
+                                          <p:stCondLst>
+                                            <p:cond delay="0"/>
+                                          </p:stCondLst>
+                                        </p:cTn>
+                                        <p:tgtEl>
+                                          <p:spTgt spid="33"/>
+                                        </p:tgtEl>
+                                        <p:attrNameLst>
+                                          <p:attrName>style.visibility</p:attrName>
+                                        </p:attrNameLst>
+                                      </p:cBhvr>
+                                      <p:to>
+                                        <p:strVal val="visible"/>
+                                      </p:to>
+                                    </p:set>
+                                  </p:childTnLst>
+                                </p:cTn>
+                              </p:par>
+                              <p:par>
+                                <p:cTn id="33" presetID="1" presetClass="entr" presetSubtype="0" fill="hold" grpId="0" nodeType="withEffect">
+                                  <p:stCondLst>
+                                    <p:cond delay="0"/>
+                                  </p:stCondLst>
+                                  <p:childTnLst>
+                                    <p:set>
+                                      <p:cBhvr>
+                                        <p:cTn id="34" dur="1" fill="hold">
+                                          <p:stCondLst>
+                                            <p:cond delay="0"/>
+                                          </p:stCondLst>
+                                        </p:cTn>
+                                        <p:tgtEl>
+                                          <p:spTgt spid="37"/>
+                                        </p:tgtEl>
+                                        <p:attrNameLst>
+                                          <p:attrName>style.visibility</p:attrName>
+                                        </p:attrNameLst>
+                                      </p:cBhvr>
+                                      <p:to>
+                                        <p:strVal val="visible"/>
+                                      </p:to>
+                                    </p:set>
+                                  </p:childTnLst>
+                                </p:cTn>
+                              </p:par>
+                            </p:childTnLst>
+                          </p:cTn>
+                        </p:par>
+                      </p:childTnLst>
+                    </p:cTn>
+                  </p:par>
+                  <p:par>
+                    <p:cTn id="35" fill="hold">
+                      <p:stCondLst>
+                        <p:cond delay="indefinite"/>
+                      </p:stCondLst>
+                      <p:childTnLst>
+                        <p:par>
+                          <p:cTn id="36" fill="hold">
+                            <p:stCondLst>
+                              <p:cond delay="0"/>
+                            </p:stCondLst>
+                            <p:childTnLst>
+                              <p:par>
+                                <p:cTn id="37" presetID="1" presetClass="entr" presetSubtype="0" fill="hold" grpId="0" nodeType="clickEffect">
+                                  <p:stCondLst>
+                                    <p:cond delay="0"/>
+                                  </p:stCondLst>
+                                  <p:childTnLst>
+                                    <p:set>
+                                      <p:cBhvr>
+                                        <p:cTn id="38" dur="1" fill="hold">
+                                          <p:stCondLst>
+                                            <p:cond delay="0"/>
+                                          </p:stCondLst>
+                                        </p:cTn>
+                                        <p:tgtEl>
+                                          <p:spTgt spid="25"/>
+                                        </p:tgtEl>
+                                        <p:attrNameLst>
+                                          <p:attrName>style.visibility</p:attrName>
+                                        </p:attrNameLst>
+                                      </p:cBhvr>
+                                      <p:to>
+                                        <p:strVal val="visible"/>
+                                      </p:to>
+                                    </p:set>
+                                  </p:childTnLst>
+                                </p:cTn>
+                              </p:par>
+                              <p:par>
+                                <p:cTn id="39" presetID="1" presetClass="entr" presetSubtype="0" fill="hold" grpId="0" nodeType="withEffect">
+                                  <p:stCondLst>
+                                    <p:cond delay="0"/>
+                                  </p:stCondLst>
+                                  <p:childTnLst>
+                                    <p:set>
+                                      <p:cBhvr>
+                                        <p:cTn id="40" dur="1" fill="hold">
+                                          <p:stCondLst>
+                                            <p:cond delay="0"/>
+                                          </p:stCondLst>
+                                        </p:cTn>
+                                        <p:tgtEl>
+                                          <p:spTgt spid="48"/>
+                                        </p:tgtEl>
+                                        <p:attrNameLst>
+                                          <p:attrName>style.visibility</p:attrName>
+                                        </p:attrNameLst>
+                                      </p:cBhvr>
+                                      <p:to>
+                                        <p:strVal val="visible"/>
+                                      </p:to>
+                                    </p:set>
+                                  </p:childTnLst>
+                                </p:cTn>
+                              </p:par>
+                              <p:par>
+                                <p:cTn id="41" presetID="1" presetClass="entr" presetSubtype="0" fill="hold" nodeType="withEffect">
+                                  <p:stCondLst>
+                                    <p:cond delay="0"/>
+                                  </p:stCondLst>
+                                  <p:childTnLst>
+                                    <p:set>
+                                      <p:cBhvr>
+                                        <p:cTn id="42" dur="1" fill="hold">
+                                          <p:stCondLst>
+                                            <p:cond delay="0"/>
+                                          </p:stCondLst>
+                                        </p:cTn>
+                                        <p:tgtEl>
+                                          <p:spTgt spid="23"/>
+                                        </p:tgtEl>
+                                        <p:attrNameLst>
+                                          <p:attrName>style.visibility</p:attrName>
+                                        </p:attrNameLst>
+                                      </p:cBhvr>
+                                      <p:to>
+                                        <p:strVal val="visible"/>
+                                      </p:to>
+                                    </p:set>
+                                  </p:childTnLst>
+                                </p:cTn>
+                              </p:par>
+                              <p:par>
+                                <p:cTn id="43" presetID="1" presetClass="entr" presetSubtype="0" fill="hold" grpId="0" nodeType="withEffect">
+                                  <p:stCondLst>
+                                    <p:cond delay="0"/>
+                                  </p:stCondLst>
+                                  <p:childTnLst>
+                                    <p:set>
+                                      <p:cBhvr>
+                                        <p:cTn id="44" dur="1" fill="hold">
+                                          <p:stCondLst>
+                                            <p:cond delay="0"/>
+                                          </p:stCondLst>
+                                        </p:cTn>
+                                        <p:tgtEl>
+                                          <p:spTgt spid="29"/>
+                                        </p:tgtEl>
+                                        <p:attrNameLst>
+                                          <p:attrName>style.visibility</p:attrName>
+                                        </p:attrNameLst>
+                                      </p:cBhvr>
+                                      <p:to>
+                                        <p:strVal val="visible"/>
+                                      </p:to>
+                                    </p:set>
+                                  </p:childTnLst>
+                                </p:cTn>
+                              </p:par>
+                            </p:childTnLst>
+                          </p:cTn>
+                        </p:par>
+                      </p:childTnLst>
+                    </p:cTn>
+                  </p:par>
+                  <p:par>
+                    <p:cTn id="45" fill="hold">
+                      <p:stCondLst>
+                        <p:cond delay="indefinite"/>
+                      </p:stCondLst>
+                      <p:childTnLst>
+                        <p:par>
+                          <p:cTn id="46" fill="hold">
+                            <p:stCondLst>
+                              <p:cond delay="0"/>
+                            </p:stCondLst>
+                            <p:childTnLst>
+                              <p:par>
+                                <p:cTn id="47" presetID="1" presetClass="entr" presetSubtype="0" fill="hold" nodeType="clickEffect">
+                                  <p:stCondLst>
+                                    <p:cond delay="0"/>
+                                  </p:stCondLst>
+                                  <p:childTnLst>
+                                    <p:set>
+                                      <p:cBhvr>
+                                        <p:cTn id="48" dur="1" fill="hold">
+                                          <p:stCondLst>
+                                            <p:cond delay="0"/>
+                                          </p:stCondLst>
+                                        </p:cTn>
+                                        <p:tgtEl>
+                                          <p:spTgt spid="51"/>
+                                        </p:tgtEl>
+                                        <p:attrNameLst>
+                                          <p:attrName>style.visibility</p:attrName>
+                                        </p:attrNameLst>
+                                      </p:cBhvr>
+                                      <p:to>
+                                        <p:strVal val="visible"/>
+                                      </p:to>
+                                    </p:set>
+                                  </p:childTnLst>
+                                </p:cTn>
+                              </p:par>
+                              <p:par>
+                                <p:cTn id="49" presetID="1" presetClass="entr" presetSubtype="0" fill="hold" grpId="0" nodeType="withEffect">
+                                  <p:stCondLst>
+                                    <p:cond delay="0"/>
+                                  </p:stCondLst>
+                                  <p:childTnLst>
+                                    <p:set>
+                                      <p:cBhvr>
+                                        <p:cTn id="50" dur="1" fill="hold">
+                                          <p:stCondLst>
+                                            <p:cond delay="0"/>
+                                          </p:stCondLst>
+                                        </p:cTn>
+                                        <p:tgtEl>
+                                          <p:spTgt spid="43"/>
+                                        </p:tgtEl>
+                                        <p:attrNameLst>
+                                          <p:attrName>style.visibility</p:attrName>
+                                        </p:attrNameLst>
+                                      </p:cBhvr>
+                                      <p:to>
+                                        <p:strVal val="visible"/>
+                                      </p:to>
+                                    </p:set>
+                                  </p:childTnLst>
+                                </p:cTn>
+                              </p:par>
+                            </p:childTnLst>
+                          </p:cTn>
+                        </p:par>
+                      </p:childTnLst>
+                    </p:cTn>
+                  </p:par>
+                  <p:par>
+                    <p:cTn id="51" fill="hold">
+                      <p:stCondLst>
+                        <p:cond delay="indefinite"/>
+                      </p:stCondLst>
+                      <p:childTnLst>
+                        <p:par>
+                          <p:cTn id="52" fill="hold">
+                            <p:stCondLst>
+                              <p:cond delay="0"/>
+                            </p:stCondLst>
+                            <p:childTnLst>
+                              <p:par>
+                                <p:cTn id="53" presetID="1" presetClass="entr" presetSubtype="0" fill="hold" grpId="0" nodeType="clickEffect">
+                                  <p:stCondLst>
+                                    <p:cond delay="0"/>
+                                  </p:stCondLst>
+                                  <p:childTnLst>
+                                    <p:set>
+                                      <p:cBhvr>
+                                        <p:cTn id="54" dur="1" fill="hold">
+                                          <p:stCondLst>
+                                            <p:cond delay="0"/>
+                                          </p:stCondLst>
+                                        </p:cTn>
+                                        <p:tgtEl>
+                                          <p:spTgt spid="61"/>
+                                        </p:tgtEl>
+                                        <p:attrNameLst>
+                                          <p:attrName>style.visibility</p:attrName>
+                                        </p:attrNameLst>
+                                      </p:cBhvr>
+                                      <p:to>
+                                        <p:strVal val="visible"/>
+                                      </p:to>
+                                    </p:set>
+                                  </p:childTnLst>
+                                </p:cTn>
+                              </p:par>
+                            </p:childTnLst>
+                          </p:cTn>
+                        </p:par>
+                      </p:childTnLst>
+                    </p:cTn>
+                  </p:par>
+                  <p:par>
+                    <p:cTn id="55" fill="hold">
+                      <p:stCondLst>
+                        <p:cond delay="indefinite"/>
+                      </p:stCondLst>
+                      <p:childTnLst>
+                        <p:par>
+                          <p:cTn id="56" fill="hold">
+                            <p:stCondLst>
+                              <p:cond delay="0"/>
+                            </p:stCondLst>
+                            <p:childTnLst>
+                              <p:par>
+                                <p:cTn id="57" presetID="1" presetClass="entr" presetSubtype="0" fill="hold" grpId="0" nodeType="clickEffect">
+                                  <p:stCondLst>
+                                    <p:cond delay="0"/>
+                                  </p:stCondLst>
+                                  <p:childTnLst>
+                                    <p:set>
+                                      <p:cBhvr>
+                                        <p:cTn id="58" dur="1" fill="hold">
+                                          <p:stCondLst>
+                                            <p:cond delay="0"/>
+                                          </p:stCondLst>
+                                        </p:cTn>
+                                        <p:tgtEl>
+                                          <p:spTgt spid="46"/>
+                                        </p:tgtEl>
+                                        <p:attrNameLst>
+                                          <p:attrName>style.visibility</p:attrName>
+                                        </p:attrNameLst>
+                                      </p:cBhvr>
+                                      <p:to>
+                                        <p:strVal val="visible"/>
+                                      </p:to>
+                                    </p:set>
+                                  </p:childTnLst>
+                                </p:cTn>
+                              </p:par>
+                            </p:childTnLst>
+                          </p:cTn>
+                        </p:par>
+                      </p:childTnLst>
+                    </p:cTn>
+                  </p:par>
+                  <p:par>
+                    <p:cTn id="59" fill="hold">
+                      <p:stCondLst>
+                        <p:cond delay="indefinite"/>
+                      </p:stCondLst>
+                      <p:childTnLst>
+                        <p:par>
+                          <p:cTn id="60" fill="hold">
+                            <p:stCondLst>
+                              <p:cond delay="0"/>
+                            </p:stCondLst>
+                            <p:childTnLst>
+                              <p:par>
+                                <p:cTn id="61" presetID="1" presetClass="entr" presetSubtype="0" fill="hold" nodeType="clickEffect">
+                                  <p:stCondLst>
+                                    <p:cond delay="0"/>
+                                  </p:stCondLst>
+                                  <p:childTnLst>
+                                    <p:set>
+                                      <p:cBhvr>
+                                        <p:cTn id="62" dur="1" fill="hold">
+                                          <p:stCondLst>
+                                            <p:cond delay="0"/>
+                                          </p:stCondLst>
+                                        </p:cTn>
+                                        <p:tgtEl>
+                                          <p:spTgt spid="55"/>
+                                        </p:tgtEl>
+                                        <p:attrNameLst>
+                                          <p:attrName>style.visibility</p:attrName>
+                                        </p:attrNameLst>
+                                      </p:cBhvr>
+                                      <p:to>
+                                        <p:strVal val="visible"/>
+                                      </p:to>
+                                    </p:set>
+                                  </p:childTnLst>
+                                </p:cTn>
+                              </p:par>
+                              <p:par>
+                                <p:cTn id="63" presetID="1" presetClass="entr" presetSubtype="0" fill="hold" grpId="0" nodeType="withEffect">
+                                  <p:stCondLst>
+                                    <p:cond delay="0"/>
+                                  </p:stCondLst>
+                                  <p:childTnLst>
+                                    <p:set>
+                                      <p:cBhvr>
+                                        <p:cTn id="64" dur="1" fill="hold">
+                                          <p:stCondLst>
+                                            <p:cond delay="0"/>
+                                          </p:stCondLst>
+                                        </p:cTn>
+                                        <p:tgtEl>
+                                          <p:spTgt spid="44"/>
+                                        </p:tgtEl>
+                                        <p:attrNameLst>
+                                          <p:attrName>style.visibility</p:attrName>
+                                        </p:attrNameLst>
+                                      </p:cBhvr>
+                                      <p:to>
+                                        <p:strVal val="visible"/>
+                                      </p:to>
+                                    </p:set>
+                                  </p:childTnLst>
+                                </p:cTn>
+                              </p:par>
+                            </p:childTnLst>
+                          </p:cTn>
+                        </p:par>
+                      </p:childTnLst>
+                    </p:cTn>
+                  </p:par>
+                </p:childTnLst>
+              </p:cTn>
+              <p:prevCondLst>
+                <p:cond evt="onPrev" delay="0">
+                  <p:tgtEl>
+                    <p:sldTgt/>
+                  </p:tgtEl>
+                </p:cond>
+              </p:prevCondLst>
+              <p:nextCondLst>
+                <p:cond evt="onNext" delay="0">
+                  <p:tgtEl>
+                    <p:sldTgt/>
+                  </p:tgtEl>
+                </p:cond>
+              </p:nextCondLst>
+            </p:seq>
+          </p:childTnLst>
+        </p:cTn>
+      </p:par>
+    </p:tnLst>
+    <p:bldLst>
+      <p:bldP spid="61" grpId="0"/>
+      <p:bldP spid="3" grpId="0" animBg="1"/>
+      <p:bldP spid="10" grpId="0" animBg="1"/>
+      <p:bldP spid="12" grpId="0"/>
+      <p:bldP spid="14" grpId="0"/>
+      <p:bldP spid="21" grpId="0"/>
+      <p:bldP spid="22" grpId="0" animBg="1"/>
+      <p:bldP spid="25" grpId="0" animBg="1"/>
+      <p:bldP spid="29" grpId="0"/>
+      <p:bldP spid="32" grpId="0" animBg="1"/>
+      <p:bldP spid="33" grpId="0" animBg="1"/>
+      <p:bldP spid="34" grpId="0" animBg="1"/>
+      <p:bldP spid="37" grpId="0" animBg="1"/>
+      <p:bldP spid="43" grpId="0" animBg="1"/>
+      <p:bldP spid="44" grpId="0" animBg="1"/>
+      <p:bldP spid="46" grpId="0" animBg="1"/>
+      <p:bldP spid="48" grpId="0" animBg="1"/>
+    </p:bldLst>
+  </p:timing>
 </p:sld>
 </file>
 
